--- a/midproject.pptx
+++ b/midproject.pptx
@@ -205,7 +205,7 @@
           <a:p>
             <a:fld id="{BE2BF394-4BE3-4C02-883C-651102F9D6F8}" type="datetimeFigureOut">
               <a:rPr lang="en-US" smtClean="0"/>
-              <a:t>6/3/2021</a:t>
+              <a:t>6/4/2021</a:t>
             </a:fld>
             <a:endParaRPr lang="en-US"/>
           </a:p>
@@ -719,7 +719,7 @@
           <a:p>
             <a:fld id="{797D1B27-E783-4DB6-9A9D-8D154B6D204A}" type="datetimeFigureOut">
               <a:rPr lang="en-US" smtClean="0"/>
-              <a:t>6/3/2021</a:t>
+              <a:t>6/4/2021</a:t>
             </a:fld>
             <a:endParaRPr lang="en-US"/>
           </a:p>
@@ -889,7 +889,7 @@
           <a:p>
             <a:fld id="{797D1B27-E783-4DB6-9A9D-8D154B6D204A}" type="datetimeFigureOut">
               <a:rPr lang="en-US" smtClean="0"/>
-              <a:t>6/3/2021</a:t>
+              <a:t>6/4/2021</a:t>
             </a:fld>
             <a:endParaRPr lang="en-US"/>
           </a:p>
@@ -1069,7 +1069,7 @@
           <a:p>
             <a:fld id="{797D1B27-E783-4DB6-9A9D-8D154B6D204A}" type="datetimeFigureOut">
               <a:rPr lang="en-US" smtClean="0"/>
-              <a:t>6/3/2021</a:t>
+              <a:t>6/4/2021</a:t>
             </a:fld>
             <a:endParaRPr lang="en-US"/>
           </a:p>
@@ -1239,7 +1239,7 @@
           <a:p>
             <a:fld id="{797D1B27-E783-4DB6-9A9D-8D154B6D204A}" type="datetimeFigureOut">
               <a:rPr lang="en-US" smtClean="0"/>
-              <a:t>6/3/2021</a:t>
+              <a:t>6/4/2021</a:t>
             </a:fld>
             <a:endParaRPr lang="en-US"/>
           </a:p>
@@ -1507,7 +1507,7 @@
           <a:p>
             <a:fld id="{797D1B27-E783-4DB6-9A9D-8D154B6D204A}" type="datetimeFigureOut">
               <a:rPr lang="en-US" smtClean="0"/>
-              <a:t>6/3/2021</a:t>
+              <a:t>6/4/2021</a:t>
             </a:fld>
             <a:endParaRPr lang="en-US"/>
           </a:p>
@@ -1739,7 +1739,7 @@
           <a:p>
             <a:fld id="{797D1B27-E783-4DB6-9A9D-8D154B6D204A}" type="datetimeFigureOut">
               <a:rPr lang="en-US" smtClean="0"/>
-              <a:t>6/3/2021</a:t>
+              <a:t>6/4/2021</a:t>
             </a:fld>
             <a:endParaRPr lang="en-US"/>
           </a:p>
@@ -2094,7 +2094,7 @@
           <a:p>
             <a:fld id="{797D1B27-E783-4DB6-9A9D-8D154B6D204A}" type="datetimeFigureOut">
               <a:rPr lang="en-US" smtClean="0"/>
-              <a:t>6/3/2021</a:t>
+              <a:t>6/4/2021</a:t>
             </a:fld>
             <a:endParaRPr lang="en-US"/>
           </a:p>
@@ -2235,7 +2235,7 @@
           <a:p>
             <a:fld id="{797D1B27-E783-4DB6-9A9D-8D154B6D204A}" type="datetimeFigureOut">
               <a:rPr lang="en-US" smtClean="0"/>
-              <a:t>6/3/2021</a:t>
+              <a:t>6/4/2021</a:t>
             </a:fld>
             <a:endParaRPr lang="en-US"/>
           </a:p>
@@ -2330,7 +2330,7 @@
           <a:p>
             <a:fld id="{797D1B27-E783-4DB6-9A9D-8D154B6D204A}" type="datetimeFigureOut">
               <a:rPr lang="en-US" smtClean="0"/>
-              <a:t>6/3/2021</a:t>
+              <a:t>6/4/2021</a:t>
             </a:fld>
             <a:endParaRPr lang="en-US"/>
           </a:p>
@@ -2692,7 +2692,7 @@
           <a:p>
             <a:fld id="{797D1B27-E783-4DB6-9A9D-8D154B6D204A}" type="datetimeFigureOut">
               <a:rPr lang="en-US" smtClean="0"/>
-              <a:t>6/3/2021</a:t>
+              <a:t>6/4/2021</a:t>
             </a:fld>
             <a:endParaRPr lang="en-US"/>
           </a:p>
@@ -3054,7 +3054,7 @@
           <a:p>
             <a:fld id="{797D1B27-E783-4DB6-9A9D-8D154B6D204A}" type="datetimeFigureOut">
               <a:rPr lang="en-US" smtClean="0"/>
-              <a:t>6/3/2021</a:t>
+              <a:t>6/4/2021</a:t>
             </a:fld>
             <a:endParaRPr lang="en-US"/>
           </a:p>
@@ -3298,7 +3298,7 @@
           <a:p>
             <a:fld id="{797D1B27-E783-4DB6-9A9D-8D154B6D204A}" type="datetimeFigureOut">
               <a:rPr lang="en-US" smtClean="0"/>
-              <a:t>6/3/2021</a:t>
+              <a:t>6/4/2021</a:t>
             </a:fld>
             <a:endParaRPr lang="en-US"/>
           </a:p>
@@ -4966,7 +4966,7 @@
           <a:p>
             <a:r>
               <a:rPr lang="en-US" dirty="0"/>
-              <a:t>It uses the opposite strategy of BFS. It instead explores the node branch as far as possible before being forced to backtrack and check other nodes. The sequence is </a:t>
+              <a:t>It uses the opposite strategy of BFS. It instead explores the node branch as far as possible before being forced to backtrack and check other nodes. The sequence of checking children is </a:t>
             </a:r>
             <a:r>
               <a:rPr lang="en-US" dirty="0" err="1"/>
